--- a/src/figures/masstree.pptx
+++ b/src/figures/masstree.pptx
@@ -197,7 +197,7 @@
           <a:p>
             <a:fld id="{C1C90ABE-C08A-444A-9B97-50985CA7357E}" type="datetimeFigureOut">
               <a:rPr kumimoji="1" lang="ja-JP" altLang="en-US" smtClean="0"/>
-              <a:t>2024/7/12</a:t>
+              <a:t>2024/7/25</a:t>
             </a:fld>
             <a:endParaRPr kumimoji="1" lang="ja-JP" altLang="en-US"/>
           </a:p>
@@ -2539,13 +2539,12 @@
           <p:cNvCxnSpPr>
             <a:cxnSpLocks/>
             <a:stCxn id="34" idx="3"/>
-            <a:endCxn id="37" idx="0"/>
           </p:cNvCxnSpPr>
           <p:nvPr/>
         </p:nvCxnSpPr>
         <p:spPr>
           <a:xfrm flipH="1">
-            <a:off x="746909" y="1080263"/>
+            <a:off x="828274" y="1080263"/>
             <a:ext cx="205460" cy="218855"/>
           </a:xfrm>
           <a:prstGeom prst="straightConnector1">
@@ -2588,7 +2587,7 @@
         </p:nvSpPr>
         <p:spPr>
           <a:xfrm>
-            <a:off x="926009" y="926619"/>
+            <a:off x="1007374" y="926619"/>
             <a:ext cx="180000" cy="180000"/>
           </a:xfrm>
           <a:prstGeom prst="ellipse">
@@ -2645,13 +2644,12 @@
           <p:cNvCxnSpPr>
             <a:cxnSpLocks/>
             <a:stCxn id="34" idx="5"/>
-            <a:endCxn id="38" idx="0"/>
           </p:cNvCxnSpPr>
           <p:nvPr/>
         </p:nvCxnSpPr>
         <p:spPr>
           <a:xfrm>
-            <a:off x="1079649" y="1080263"/>
+            <a:off x="1161014" y="1080263"/>
             <a:ext cx="225120" cy="213395"/>
           </a:xfrm>
           <a:prstGeom prst="straightConnector1">
@@ -2691,14 +2689,12 @@
           </p:cNvPr>
           <p:cNvCxnSpPr>
             <a:cxnSpLocks/>
-            <a:stCxn id="37" idx="3"/>
-            <a:endCxn id="38" idx="1"/>
           </p:cNvCxnSpPr>
           <p:nvPr/>
         </p:nvCxnSpPr>
         <p:spPr>
           <a:xfrm flipV="1">
-            <a:off x="836909" y="1370273"/>
+            <a:off x="918274" y="1370273"/>
             <a:ext cx="377860" cy="5460"/>
           </a:xfrm>
           <a:prstGeom prst="straightConnector1">
@@ -2741,7 +2737,7 @@
         </p:nvSpPr>
         <p:spPr>
           <a:xfrm>
-            <a:off x="656909" y="1299118"/>
+            <a:off x="761524" y="1299118"/>
             <a:ext cx="180000" cy="153237"/>
           </a:xfrm>
           <a:prstGeom prst="rect">
@@ -2799,7 +2795,7 @@
         </p:nvSpPr>
         <p:spPr>
           <a:xfrm>
-            <a:off x="1214769" y="1293658"/>
+            <a:off x="1319384" y="1293658"/>
             <a:ext cx="180000" cy="153237"/>
           </a:xfrm>
           <a:prstGeom prst="rect">
@@ -2861,7 +2857,7 @@
         </p:nvCxnSpPr>
         <p:spPr>
           <a:xfrm flipH="1">
-            <a:off x="1635473" y="1080263"/>
+            <a:off x="1689719" y="1080263"/>
             <a:ext cx="205460" cy="218855"/>
           </a:xfrm>
           <a:prstGeom prst="straightConnector1">
@@ -2904,7 +2900,7 @@
         </p:nvSpPr>
         <p:spPr>
           <a:xfrm>
-            <a:off x="1814573" y="926619"/>
+            <a:off x="1868819" y="926619"/>
             <a:ext cx="180000" cy="180000"/>
           </a:xfrm>
           <a:prstGeom prst="ellipse">
@@ -2967,7 +2963,7 @@
         </p:nvCxnSpPr>
         <p:spPr>
           <a:xfrm>
-            <a:off x="1968213" y="1080263"/>
+            <a:off x="2022459" y="1080263"/>
             <a:ext cx="225120" cy="213395"/>
           </a:xfrm>
           <a:prstGeom prst="straightConnector1">
@@ -3014,7 +3010,7 @@
         </p:nvCxnSpPr>
         <p:spPr>
           <a:xfrm flipV="1">
-            <a:off x="1725473" y="1370273"/>
+            <a:off x="1779719" y="1370273"/>
             <a:ext cx="377860" cy="5460"/>
           </a:xfrm>
           <a:prstGeom prst="straightConnector1">
@@ -3057,7 +3053,7 @@
         </p:nvSpPr>
         <p:spPr>
           <a:xfrm>
-            <a:off x="1545473" y="1299118"/>
+            <a:off x="1599719" y="1299118"/>
             <a:ext cx="180000" cy="153237"/>
           </a:xfrm>
           <a:prstGeom prst="rect">
@@ -3115,7 +3111,7 @@
         </p:nvSpPr>
         <p:spPr>
           <a:xfrm>
-            <a:off x="2103333" y="1293658"/>
+            <a:off x="2157579" y="1293658"/>
             <a:ext cx="180000" cy="153237"/>
           </a:xfrm>
           <a:prstGeom prst="rect">
@@ -3489,7 +3485,7 @@
         </p:nvSpPr>
         <p:spPr>
           <a:xfrm>
-            <a:off x="2435666" y="1293657"/>
+            <a:off x="2474416" y="1293657"/>
             <a:ext cx="180000" cy="153237"/>
           </a:xfrm>
           <a:prstGeom prst="rect">
@@ -3551,8 +3547,8 @@
         </p:nvCxnSpPr>
         <p:spPr>
           <a:xfrm flipH="1">
-            <a:off x="1016009" y="621896"/>
-            <a:ext cx="466544" cy="304727"/>
+            <a:off x="1097374" y="621896"/>
+            <a:ext cx="385179" cy="304723"/>
           </a:xfrm>
           <a:prstGeom prst="straightConnector1">
             <a:avLst/>
@@ -3598,8 +3594,8 @@
         </p:nvCxnSpPr>
         <p:spPr>
           <a:xfrm>
-            <a:off x="2040417" y="616436"/>
-            <a:ext cx="485253" cy="677221"/>
+            <a:off x="2040413" y="616436"/>
+            <a:ext cx="524003" cy="677221"/>
           </a:xfrm>
           <a:prstGeom prst="straightConnector1">
             <a:avLst/>
@@ -3645,8 +3641,8 @@
         </p:nvCxnSpPr>
         <p:spPr>
           <a:xfrm flipH="1">
-            <a:off x="1904573" y="616436"/>
-            <a:ext cx="135840" cy="310187"/>
+            <a:off x="1958819" y="616436"/>
+            <a:ext cx="81594" cy="310183"/>
           </a:xfrm>
           <a:prstGeom prst="straightConnector1">
             <a:avLst/>
@@ -3693,7 +3689,7 @@
         <p:spPr>
           <a:xfrm flipH="1">
             <a:off x="1213815" y="1446895"/>
-            <a:ext cx="90954" cy="262655"/>
+            <a:ext cx="195569" cy="262651"/>
           </a:xfrm>
           <a:prstGeom prst="straightConnector1">
             <a:avLst/>
@@ -3735,8 +3731,8 @@
         </p:nvSpPr>
         <p:spPr>
           <a:xfrm>
-            <a:off x="245178" y="115758"/>
-            <a:ext cx="752867" cy="523670"/>
+            <a:off x="229678" y="115758"/>
+            <a:ext cx="752867" cy="134076"/>
           </a:xfrm>
           <a:prstGeom prst="rect">
             <a:avLst/>
@@ -3764,14 +3760,43 @@
               <a:buSzPct val="100000"/>
             </a:pPr>
             <a:r>
-              <a:rPr lang="en-US" altLang="ja-JP" sz="1050" dirty="0">
+              <a:rPr lang="en-US" altLang="ja-JP" sz="800" dirty="0">
                 <a:solidFill>
                   <a:schemeClr val="accent2"/>
                 </a:solidFill>
               </a:rPr>
-              <a:t>Layer0</a:t>
-            </a:r>
-          </a:p>
+              <a:t>Layer 0</a:t>
+            </a:r>
+          </a:p>
+        </p:txBody>
+      </p:sp>
+      <p:sp>
+        <p:nvSpPr>
+          <p:cNvPr id="74" name="テキスト ボックス 73">
+            <a:extLst>
+              <a:ext uri="{FF2B5EF4-FFF2-40B4-BE49-F238E27FC236}">
+                <a16:creationId xmlns:a16="http://schemas.microsoft.com/office/drawing/2014/main" id="{A8AF8917-E6DE-FE66-A005-96397122E673}"/>
+              </a:ext>
+            </a:extLst>
+          </p:cNvPr>
+          <p:cNvSpPr txBox="1"/>
+          <p:nvPr/>
+        </p:nvSpPr>
+        <p:spPr>
+          <a:xfrm>
+            <a:off x="221930" y="874623"/>
+            <a:ext cx="752867" cy="134076"/>
+          </a:xfrm>
+          <a:prstGeom prst="rect">
+            <a:avLst/>
+          </a:prstGeom>
+          <a:noFill/>
+        </p:spPr>
+        <p:txBody>
+          <a:bodyPr wrap="square" lIns="0" tIns="0" rIns="0" bIns="0" rtlCol="0">
+            <a:spAutoFit/>
+          </a:bodyPr>
+          <a:lstStyle/>
           <a:p>
             <a:pPr>
               <a:lnSpc>
@@ -3788,27 +3813,22 @@
               <a:buSzPct val="100000"/>
             </a:pPr>
             <a:r>
-              <a:rPr lang="en-US" altLang="ja-JP" sz="1050">
+              <a:rPr lang="en-US" altLang="ja-JP" sz="800" dirty="0">
                 <a:solidFill>
                   <a:schemeClr val="accent2"/>
                 </a:solidFill>
               </a:rPr>
-              <a:t>0~7 </a:t>
-            </a:r>
-            <a:endParaRPr lang="en-US" altLang="ja-JP" sz="1050" dirty="0">
-              <a:solidFill>
-                <a:schemeClr val="accent2"/>
-              </a:solidFill>
-            </a:endParaRPr>
-          </a:p>
-        </p:txBody>
-      </p:sp>
-      <p:sp>
-        <p:nvSpPr>
-          <p:cNvPr id="74" name="テキスト ボックス 73">
+              <a:t>Layer 1</a:t>
+            </a:r>
+          </a:p>
+        </p:txBody>
+      </p:sp>
+      <p:sp>
+        <p:nvSpPr>
+          <p:cNvPr id="75" name="テキスト ボックス 74">
             <a:extLst>
               <a:ext uri="{FF2B5EF4-FFF2-40B4-BE49-F238E27FC236}">
-                <a16:creationId xmlns:a16="http://schemas.microsoft.com/office/drawing/2014/main" id="{A8AF8917-E6DE-FE66-A005-96397122E673}"/>
+                <a16:creationId xmlns:a16="http://schemas.microsoft.com/office/drawing/2014/main" id="{34E56EE4-FB82-A813-7B16-BBE2FA812274}"/>
               </a:ext>
             </a:extLst>
           </p:cNvPr>
@@ -3817,8 +3837,8 @@
         </p:nvSpPr>
         <p:spPr>
           <a:xfrm>
-            <a:off x="245180" y="874623"/>
-            <a:ext cx="752867" cy="523670"/>
+            <a:off x="229680" y="1709550"/>
+            <a:ext cx="752867" cy="134076"/>
           </a:xfrm>
           <a:prstGeom prst="rect">
             <a:avLst/>
@@ -3846,14 +3866,43 @@
               <a:buSzPct val="100000"/>
             </a:pPr>
             <a:r>
-              <a:rPr lang="en-US" altLang="ja-JP" sz="1050" dirty="0">
+              <a:rPr lang="en-US" altLang="ja-JP" sz="800" dirty="0">
                 <a:solidFill>
                   <a:schemeClr val="accent2"/>
                 </a:solidFill>
               </a:rPr>
-              <a:t>Layer1</a:t>
-            </a:r>
-          </a:p>
+              <a:t>Layer 2</a:t>
+            </a:r>
+          </a:p>
+        </p:txBody>
+      </p:sp>
+      <p:sp>
+        <p:nvSpPr>
+          <p:cNvPr id="2" name="テキスト ボックス 1">
+            <a:extLst>
+              <a:ext uri="{FF2B5EF4-FFF2-40B4-BE49-F238E27FC236}">
+                <a16:creationId xmlns:a16="http://schemas.microsoft.com/office/drawing/2014/main" id="{D58E0400-79D0-C68B-2738-45F7D8FDE0AA}"/>
+              </a:ext>
+            </a:extLst>
+          </p:cNvPr>
+          <p:cNvSpPr txBox="1"/>
+          <p:nvPr/>
+        </p:nvSpPr>
+        <p:spPr>
+          <a:xfrm>
+            <a:off x="229677" y="247469"/>
+            <a:ext cx="752867" cy="134076"/>
+          </a:xfrm>
+          <a:prstGeom prst="rect">
+            <a:avLst/>
+          </a:prstGeom>
+          <a:noFill/>
+        </p:spPr>
+        <p:txBody>
+          <a:bodyPr wrap="square" lIns="0" tIns="0" rIns="0" bIns="0" rtlCol="0">
+            <a:spAutoFit/>
+          </a:bodyPr>
+          <a:lstStyle/>
           <a:p>
             <a:pPr>
               <a:lnSpc>
@@ -3870,27 +3919,22 @@
               <a:buSzPct val="100000"/>
             </a:pPr>
             <a:r>
-              <a:rPr lang="en-US" altLang="ja-JP" sz="1050" dirty="0">
+              <a:rPr lang="en-US" altLang="ja-JP" sz="800" dirty="0">
                 <a:solidFill>
                   <a:schemeClr val="accent2"/>
                 </a:solidFill>
               </a:rPr>
-              <a:t>8~15</a:t>
-            </a:r>
-            <a:endParaRPr lang="ja-JP" altLang="en-US" sz="1050" dirty="0">
-              <a:solidFill>
-                <a:schemeClr val="accent2"/>
-              </a:solidFill>
-            </a:endParaRPr>
-          </a:p>
-        </p:txBody>
-      </p:sp>
-      <p:sp>
-        <p:nvSpPr>
-          <p:cNvPr id="75" name="テキスト ボックス 74">
+              <a:t>0~7 byte</a:t>
+            </a:r>
+          </a:p>
+        </p:txBody>
+      </p:sp>
+      <p:sp>
+        <p:nvSpPr>
+          <p:cNvPr id="3" name="テキスト ボックス 2">
             <a:extLst>
               <a:ext uri="{FF2B5EF4-FFF2-40B4-BE49-F238E27FC236}">
-                <a16:creationId xmlns:a16="http://schemas.microsoft.com/office/drawing/2014/main" id="{34E56EE4-FB82-A813-7B16-BBE2FA812274}"/>
+                <a16:creationId xmlns:a16="http://schemas.microsoft.com/office/drawing/2014/main" id="{4E982D1E-C583-D219-9469-2395E71C6333}"/>
               </a:ext>
             </a:extLst>
           </p:cNvPr>
@@ -3899,8 +3943,8 @@
         </p:nvSpPr>
         <p:spPr>
           <a:xfrm>
-            <a:off x="245180" y="1709550"/>
-            <a:ext cx="752867" cy="523670"/>
+            <a:off x="217798" y="1015822"/>
+            <a:ext cx="752867" cy="134076"/>
           </a:xfrm>
           <a:prstGeom prst="rect">
             <a:avLst/>
@@ -3928,14 +3972,43 @@
               <a:buSzPct val="100000"/>
             </a:pPr>
             <a:r>
-              <a:rPr lang="en-US" altLang="ja-JP" sz="1050" dirty="0">
+              <a:rPr lang="en-US" altLang="ja-JP" sz="800" dirty="0">
                 <a:solidFill>
                   <a:schemeClr val="accent2"/>
                 </a:solidFill>
               </a:rPr>
-              <a:t>Layer2</a:t>
-            </a:r>
-          </a:p>
+              <a:t>8~15 byte</a:t>
+            </a:r>
+          </a:p>
+        </p:txBody>
+      </p:sp>
+      <p:sp>
+        <p:nvSpPr>
+          <p:cNvPr id="4" name="テキスト ボックス 3">
+            <a:extLst>
+              <a:ext uri="{FF2B5EF4-FFF2-40B4-BE49-F238E27FC236}">
+                <a16:creationId xmlns:a16="http://schemas.microsoft.com/office/drawing/2014/main" id="{1A5ECBF7-2CDF-326C-A67B-D749962555AB}"/>
+              </a:ext>
+            </a:extLst>
+          </p:cNvPr>
+          <p:cNvSpPr txBox="1"/>
+          <p:nvPr/>
+        </p:nvSpPr>
+        <p:spPr>
+          <a:xfrm>
+            <a:off x="222655" y="1849705"/>
+            <a:ext cx="752867" cy="134076"/>
+          </a:xfrm>
+          <a:prstGeom prst="rect">
+            <a:avLst/>
+          </a:prstGeom>
+          <a:noFill/>
+        </p:spPr>
+        <p:txBody>
+          <a:bodyPr wrap="square" lIns="0" tIns="0" rIns="0" bIns="0" rtlCol="0">
+            <a:spAutoFit/>
+          </a:bodyPr>
+          <a:lstStyle/>
           <a:p>
             <a:pPr>
               <a:lnSpc>
@@ -3952,21 +4025,468 @@
               <a:buSzPct val="100000"/>
             </a:pPr>
             <a:r>
-              <a:rPr lang="en-US" altLang="ja-JP" sz="1050" dirty="0">
+              <a:rPr lang="en-US" altLang="ja-JP" sz="800" dirty="0">
                 <a:solidFill>
                   <a:schemeClr val="accent2"/>
                 </a:solidFill>
               </a:rPr>
-              <a:t>16~23</a:t>
-            </a:r>
-            <a:endParaRPr lang="ja-JP" altLang="en-US" sz="1050" dirty="0">
+              <a:t>16~23 byte</a:t>
+            </a:r>
+          </a:p>
+        </p:txBody>
+      </p:sp>
+      <p:sp>
+        <p:nvSpPr>
+          <p:cNvPr id="5" name="四角形: 角を丸くする 4">
+            <a:extLst>
+              <a:ext uri="{FF2B5EF4-FFF2-40B4-BE49-F238E27FC236}">
+                <a16:creationId xmlns:a16="http://schemas.microsoft.com/office/drawing/2014/main" id="{F2128D27-6033-0D15-ECC1-6EA41255C880}"/>
+              </a:ext>
+            </a:extLst>
+          </p:cNvPr>
+          <p:cNvSpPr/>
+          <p:nvPr/>
+        </p:nvSpPr>
+        <p:spPr>
+          <a:xfrm>
+            <a:off x="1277455" y="69210"/>
+            <a:ext cx="970124" cy="603247"/>
+          </a:xfrm>
+          <a:prstGeom prst="roundRect">
+            <a:avLst/>
+          </a:prstGeom>
+          <a:noFill/>
+          <a:ln w="12700">
+            <a:solidFill>
+              <a:schemeClr val="accent1">
+                <a:lumMod val="50000"/>
+              </a:schemeClr>
+            </a:solidFill>
+            <a:prstDash val="sysDot"/>
+          </a:ln>
+        </p:spPr>
+        <p:style>
+          <a:lnRef idx="2">
+            <a:schemeClr val="accent1">
+              <a:shade val="50000"/>
+            </a:schemeClr>
+          </a:lnRef>
+          <a:fillRef idx="1">
+            <a:schemeClr val="accent1"/>
+          </a:fillRef>
+          <a:effectRef idx="0">
+            <a:schemeClr val="accent1"/>
+          </a:effectRef>
+          <a:fontRef idx="minor">
+            <a:schemeClr val="lt1"/>
+          </a:fontRef>
+        </p:style>
+        <p:txBody>
+          <a:bodyPr lIns="0" tIns="0" rIns="0" bIns="0" rtlCol="0" anchor="ctr"/>
+          <a:lstStyle/>
+          <a:p>
+            <a:pPr algn="ctr"/>
+            <a:endParaRPr kumimoji="1" lang="ja-JP" altLang="en-US" dirty="0">
               <a:solidFill>
-                <a:schemeClr val="accent2"/>
+                <a:schemeClr val="tx1"/>
               </a:solidFill>
             </a:endParaRPr>
           </a:p>
         </p:txBody>
       </p:sp>
+      <p:sp>
+        <p:nvSpPr>
+          <p:cNvPr id="6" name="四角形: 角を丸くする 5">
+            <a:extLst>
+              <a:ext uri="{FF2B5EF4-FFF2-40B4-BE49-F238E27FC236}">
+                <a16:creationId xmlns:a16="http://schemas.microsoft.com/office/drawing/2014/main" id="{8380E531-8BEC-5808-0FD0-CA323426E2D9}"/>
+              </a:ext>
+            </a:extLst>
+          </p:cNvPr>
+          <p:cNvSpPr/>
+          <p:nvPr/>
+        </p:nvSpPr>
+        <p:spPr>
+          <a:xfrm>
+            <a:off x="703516" y="895187"/>
+            <a:ext cx="840969" cy="587993"/>
+          </a:xfrm>
+          <a:prstGeom prst="roundRect">
+            <a:avLst/>
+          </a:prstGeom>
+          <a:noFill/>
+          <a:ln w="12700">
+            <a:solidFill>
+              <a:schemeClr val="accent1">
+                <a:lumMod val="50000"/>
+              </a:schemeClr>
+            </a:solidFill>
+            <a:prstDash val="sysDot"/>
+          </a:ln>
+        </p:spPr>
+        <p:style>
+          <a:lnRef idx="2">
+            <a:schemeClr val="accent1">
+              <a:shade val="50000"/>
+            </a:schemeClr>
+          </a:lnRef>
+          <a:fillRef idx="1">
+            <a:schemeClr val="accent1"/>
+          </a:fillRef>
+          <a:effectRef idx="0">
+            <a:schemeClr val="accent1"/>
+          </a:effectRef>
+          <a:fontRef idx="minor">
+            <a:schemeClr val="lt1"/>
+          </a:fontRef>
+        </p:style>
+        <p:txBody>
+          <a:bodyPr lIns="0" tIns="0" rIns="0" bIns="0" rtlCol="0" anchor="ctr"/>
+          <a:lstStyle/>
+          <a:p>
+            <a:pPr algn="ctr"/>
+            <a:endParaRPr kumimoji="1" lang="ja-JP" altLang="en-US" dirty="0">
+              <a:solidFill>
+                <a:schemeClr val="tx1"/>
+              </a:solidFill>
+            </a:endParaRPr>
+          </a:p>
+        </p:txBody>
+      </p:sp>
+      <p:sp>
+        <p:nvSpPr>
+          <p:cNvPr id="7" name="四角形: 角を丸くする 6">
+            <a:extLst>
+              <a:ext uri="{FF2B5EF4-FFF2-40B4-BE49-F238E27FC236}">
+                <a16:creationId xmlns:a16="http://schemas.microsoft.com/office/drawing/2014/main" id="{2FB21C10-4CB5-77AB-0CCF-8E5FC3209F03}"/>
+              </a:ext>
+            </a:extLst>
+          </p:cNvPr>
+          <p:cNvSpPr/>
+          <p:nvPr/>
+        </p:nvSpPr>
+        <p:spPr>
+          <a:xfrm>
+            <a:off x="1543447" y="895187"/>
+            <a:ext cx="840969" cy="587993"/>
+          </a:xfrm>
+          <a:prstGeom prst="roundRect">
+            <a:avLst/>
+          </a:prstGeom>
+          <a:noFill/>
+          <a:ln w="12700">
+            <a:solidFill>
+              <a:schemeClr val="accent1">
+                <a:lumMod val="50000"/>
+              </a:schemeClr>
+            </a:solidFill>
+            <a:prstDash val="sysDot"/>
+          </a:ln>
+        </p:spPr>
+        <p:style>
+          <a:lnRef idx="2">
+            <a:schemeClr val="accent1">
+              <a:shade val="50000"/>
+            </a:schemeClr>
+          </a:lnRef>
+          <a:fillRef idx="1">
+            <a:schemeClr val="accent1"/>
+          </a:fillRef>
+          <a:effectRef idx="0">
+            <a:schemeClr val="accent1"/>
+          </a:effectRef>
+          <a:fontRef idx="minor">
+            <a:schemeClr val="lt1"/>
+          </a:fontRef>
+        </p:style>
+        <p:txBody>
+          <a:bodyPr lIns="0" tIns="0" rIns="0" bIns="0" rtlCol="0" anchor="ctr"/>
+          <a:lstStyle/>
+          <a:p>
+            <a:pPr algn="ctr"/>
+            <a:endParaRPr kumimoji="1" lang="ja-JP" altLang="en-US" dirty="0">
+              <a:solidFill>
+                <a:schemeClr val="tx1"/>
+              </a:solidFill>
+            </a:endParaRPr>
+          </a:p>
+        </p:txBody>
+      </p:sp>
+      <p:sp>
+        <p:nvSpPr>
+          <p:cNvPr id="8" name="四角形: 角を丸くする 7">
+            <a:extLst>
+              <a:ext uri="{FF2B5EF4-FFF2-40B4-BE49-F238E27FC236}">
+                <a16:creationId xmlns:a16="http://schemas.microsoft.com/office/drawing/2014/main" id="{6123AA60-E850-63C1-17A2-B418357D15CE}"/>
+              </a:ext>
+            </a:extLst>
+          </p:cNvPr>
+          <p:cNvSpPr/>
+          <p:nvPr/>
+        </p:nvSpPr>
+        <p:spPr>
+          <a:xfrm>
+            <a:off x="2383261" y="1188244"/>
+            <a:ext cx="348298" cy="291913"/>
+          </a:xfrm>
+          <a:prstGeom prst="roundRect">
+            <a:avLst/>
+          </a:prstGeom>
+          <a:noFill/>
+          <a:ln w="12700">
+            <a:solidFill>
+              <a:schemeClr val="accent1">
+                <a:lumMod val="50000"/>
+              </a:schemeClr>
+            </a:solidFill>
+            <a:prstDash val="sysDot"/>
+          </a:ln>
+        </p:spPr>
+        <p:style>
+          <a:lnRef idx="2">
+            <a:schemeClr val="accent1">
+              <a:shade val="50000"/>
+            </a:schemeClr>
+          </a:lnRef>
+          <a:fillRef idx="1">
+            <a:schemeClr val="accent1"/>
+          </a:fillRef>
+          <a:effectRef idx="0">
+            <a:schemeClr val="accent1"/>
+          </a:effectRef>
+          <a:fontRef idx="minor">
+            <a:schemeClr val="lt1"/>
+          </a:fontRef>
+        </p:style>
+        <p:txBody>
+          <a:bodyPr lIns="0" tIns="0" rIns="0" bIns="0" rtlCol="0" anchor="ctr"/>
+          <a:lstStyle/>
+          <a:p>
+            <a:pPr algn="ctr"/>
+            <a:endParaRPr kumimoji="1" lang="ja-JP" altLang="en-US" dirty="0">
+              <a:solidFill>
+                <a:schemeClr val="tx1"/>
+              </a:solidFill>
+            </a:endParaRPr>
+          </a:p>
+        </p:txBody>
+      </p:sp>
+      <p:sp>
+        <p:nvSpPr>
+          <p:cNvPr id="9" name="四角形: 角を丸くする 8">
+            <a:extLst>
+              <a:ext uri="{FF2B5EF4-FFF2-40B4-BE49-F238E27FC236}">
+                <a16:creationId xmlns:a16="http://schemas.microsoft.com/office/drawing/2014/main" id="{8BC675F8-BFFD-4C82-EB20-F0A25BDCAEF8}"/>
+              </a:ext>
+            </a:extLst>
+          </p:cNvPr>
+          <p:cNvSpPr/>
+          <p:nvPr/>
+        </p:nvSpPr>
+        <p:spPr>
+          <a:xfrm>
+            <a:off x="807204" y="1692129"/>
+            <a:ext cx="822339" cy="587993"/>
+          </a:xfrm>
+          <a:prstGeom prst="roundRect">
+            <a:avLst/>
+          </a:prstGeom>
+          <a:noFill/>
+          <a:ln w="12700">
+            <a:solidFill>
+              <a:schemeClr val="accent1">
+                <a:lumMod val="50000"/>
+              </a:schemeClr>
+            </a:solidFill>
+            <a:prstDash val="sysDot"/>
+          </a:ln>
+        </p:spPr>
+        <p:style>
+          <a:lnRef idx="2">
+            <a:schemeClr val="accent1">
+              <a:shade val="50000"/>
+            </a:schemeClr>
+          </a:lnRef>
+          <a:fillRef idx="1">
+            <a:schemeClr val="accent1"/>
+          </a:fillRef>
+          <a:effectRef idx="0">
+            <a:schemeClr val="accent1"/>
+          </a:effectRef>
+          <a:fontRef idx="minor">
+            <a:schemeClr val="lt1"/>
+          </a:fontRef>
+        </p:style>
+        <p:txBody>
+          <a:bodyPr lIns="0" tIns="0" rIns="0" bIns="0" rtlCol="0" anchor="ctr"/>
+          <a:lstStyle/>
+          <a:p>
+            <a:pPr algn="ctr"/>
+            <a:endParaRPr kumimoji="1" lang="ja-JP" altLang="en-US" dirty="0">
+              <a:solidFill>
+                <a:schemeClr val="tx1"/>
+              </a:solidFill>
+            </a:endParaRPr>
+          </a:p>
+        </p:txBody>
+      </p:sp>
+      <mc:AlternateContent xmlns:mc="http://schemas.openxmlformats.org/markup-compatibility/2006">
+        <mc:Choice xmlns:a14="http://schemas.microsoft.com/office/drawing/2010/main" Requires="a14">
+          <p:sp>
+            <p:nvSpPr>
+              <p:cNvPr id="10" name="テキスト ボックス 9">
+                <a:extLst>
+                  <a:ext uri="{FF2B5EF4-FFF2-40B4-BE49-F238E27FC236}">
+                    <a16:creationId xmlns:a16="http://schemas.microsoft.com/office/drawing/2014/main" id="{8D101EAC-C396-17BC-0115-16477620015B}"/>
+                  </a:ext>
+                </a:extLst>
+              </p:cNvPr>
+              <p:cNvSpPr txBox="1"/>
+              <p:nvPr/>
+            </p:nvSpPr>
+            <p:spPr>
+              <a:xfrm>
+                <a:off x="1970493" y="135023"/>
+                <a:ext cx="752867" cy="132537"/>
+              </a:xfrm>
+              <a:prstGeom prst="rect">
+                <a:avLst/>
+              </a:prstGeom>
+              <a:noFill/>
+            </p:spPr>
+            <p:txBody>
+              <a:bodyPr wrap="square" lIns="0" tIns="0" rIns="0" bIns="0" rtlCol="0">
+                <a:spAutoFit/>
+              </a:bodyPr>
+              <a:lstStyle/>
+              <a:p>
+                <a:pPr>
+                  <a:lnSpc>
+                    <a:spcPct val="120000"/>
+                  </a:lnSpc>
+                  <a:spcAft>
+                    <a:spcPts val="1200"/>
+                  </a:spcAft>
+                  <a:buClr>
+                    <a:schemeClr val="accent6">
+                      <a:lumMod val="50000"/>
+                    </a:schemeClr>
+                  </a:buClr>
+                  <a:buSzPct val="100000"/>
+                </a:pPr>
+                <a14:m>
+                  <m:oMath xmlns:m="http://schemas.openxmlformats.org/officeDocument/2006/math">
+                    <m:sSup>
+                      <m:sSupPr>
+                        <m:ctrlPr>
+                          <a:rPr lang="en-US" altLang="ja-JP" sz="800" i="1" smtClean="0">
+                            <a:solidFill>
+                              <a:schemeClr val="accent1">
+                                <a:lumMod val="50000"/>
+                              </a:schemeClr>
+                            </a:solidFill>
+                            <a:latin typeface="Cambria Math" panose="02040503050406030204" pitchFamily="18" charset="0"/>
+                          </a:rPr>
+                        </m:ctrlPr>
+                      </m:sSupPr>
+                      <m:e>
+                        <m:r>
+                          <m:rPr>
+                            <m:sty m:val="p"/>
+                          </m:rPr>
+                          <a:rPr lang="en-US" altLang="ja-JP" sz="800" b="0" i="0" smtClean="0">
+                            <a:solidFill>
+                              <a:schemeClr val="accent1">
+                                <a:lumMod val="50000"/>
+                              </a:schemeClr>
+                            </a:solidFill>
+                            <a:latin typeface="Cambria Math" panose="02040503050406030204" pitchFamily="18" charset="0"/>
+                          </a:rPr>
+                          <m:t>B</m:t>
+                        </m:r>
+                      </m:e>
+                      <m:sup>
+                        <m:r>
+                          <a:rPr lang="en-US" altLang="ja-JP" sz="800" b="0" i="0" smtClean="0">
+                            <a:solidFill>
+                              <a:schemeClr val="accent1">
+                                <a:lumMod val="50000"/>
+                              </a:schemeClr>
+                            </a:solidFill>
+                            <a:latin typeface="Cambria Math" panose="02040503050406030204" pitchFamily="18" charset="0"/>
+                          </a:rPr>
+                          <m:t>+</m:t>
+                        </m:r>
+                      </m:sup>
+                    </m:sSup>
+                  </m:oMath>
+                </a14:m>
+                <a:r>
+                  <a:rPr lang="ja-JP" altLang="en-US" sz="800" dirty="0">
+                    <a:solidFill>
+                      <a:schemeClr val="accent1">
+                        <a:lumMod val="50000"/>
+                      </a:schemeClr>
+                    </a:solidFill>
+                  </a:rPr>
+                  <a:t>木</a:t>
+                </a:r>
+                <a:endParaRPr lang="en-US" altLang="ja-JP" sz="800" dirty="0">
+                  <a:solidFill>
+                    <a:schemeClr val="accent1">
+                      <a:lumMod val="50000"/>
+                    </a:schemeClr>
+                  </a:solidFill>
+                </a:endParaRPr>
+              </a:p>
+            </p:txBody>
+          </p:sp>
+        </mc:Choice>
+        <mc:Fallback>
+          <p:sp>
+            <p:nvSpPr>
+              <p:cNvPr id="10" name="テキスト ボックス 9">
+                <a:extLst>
+                  <a:ext uri="{FF2B5EF4-FFF2-40B4-BE49-F238E27FC236}">
+                    <a16:creationId xmlns:a16="http://schemas.microsoft.com/office/drawing/2014/main" id="{8D101EAC-C396-17BC-0115-16477620015B}"/>
+                  </a:ext>
+                </a:extLst>
+              </p:cNvPr>
+              <p:cNvSpPr txBox="1">
+                <a:spLocks noRot="1" noChangeAspect="1" noMove="1" noResize="1" noEditPoints="1" noAdjustHandles="1" noChangeArrowheads="1" noChangeShapeType="1" noTextEdit="1"/>
+              </p:cNvSpPr>
+              <p:nvPr/>
+            </p:nvSpPr>
+            <p:spPr>
+              <a:xfrm>
+                <a:off x="1970493" y="135023"/>
+                <a:ext cx="752867" cy="132537"/>
+              </a:xfrm>
+              <a:prstGeom prst="rect">
+                <a:avLst/>
+              </a:prstGeom>
+              <a:blipFill>
+                <a:blip r:embed="rId3"/>
+                <a:stretch>
+                  <a:fillRect l="-4839" t="-22727" b="-40909"/>
+                </a:stretch>
+              </a:blipFill>
+            </p:spPr>
+            <p:txBody>
+              <a:bodyPr/>
+              <a:lstStyle/>
+              <a:p>
+                <a:r>
+                  <a:rPr lang="ja-JP" altLang="en-US">
+                    <a:noFill/>
+                  </a:rPr>
+                  <a:t> </a:t>
+                </a:r>
+              </a:p>
+            </p:txBody>
+          </p:sp>
+        </mc:Fallback>
+      </mc:AlternateContent>
     </p:spTree>
     <p:extLst>
       <p:ext uri="{BB962C8B-B14F-4D97-AF65-F5344CB8AC3E}">
